--- a/Topic B Programming Introduction/B.7 Lesson - ASCII Encoding.pptx
+++ b/Topic B Programming Introduction/B.7 Lesson - ASCII Encoding.pptx
@@ -6,12 +6,14 @@
   </p:sldMasterIdLst>
   <p:sldIdLst>
     <p:sldId id="256" r:id="rId2"/>
-    <p:sldId id="257" r:id="rId3"/>
-    <p:sldId id="258" r:id="rId4"/>
+    <p:sldId id="258" r:id="rId3"/>
+    <p:sldId id="257" r:id="rId4"/>
     <p:sldId id="259" r:id="rId5"/>
     <p:sldId id="261" r:id="rId6"/>
     <p:sldId id="262" r:id="rId7"/>
     <p:sldId id="260" r:id="rId8"/>
+    <p:sldId id="263" r:id="rId9"/>
+    <p:sldId id="264" r:id="rId10"/>
   </p:sldIdLst>
   <p:sldSz cx="9144000" cy="6858000" type="screen4x3"/>
   <p:notesSz cx="6858000" cy="9144000"/>
@@ -110,6 +112,11 @@
       </a:defRPr>
     </a:lvl9pPr>
   </p:defaultTextStyle>
+  <p:extLst>
+    <p:ext uri="{EFAFB233-063F-42B5-8137-9DF3F51BA10A}">
+      <p15:sldGuideLst xmlns:p15="http://schemas.microsoft.com/office/powerpoint/2012/main"/>
+    </p:ext>
+  </p:extLst>
 </p:presentation>
 </file>
 
@@ -244,7 +251,7 @@
           <a:p>
             <a:fld id="{D76BAD53-4B66-4A34-868F-48912594EE05}" type="datetimeFigureOut">
               <a:rPr lang="en-US" smtClean="0"/>
-              <a:t>11/20/2019</a:t>
+              <a:t>11/21/2019</a:t>
             </a:fld>
             <a:endParaRPr lang="en-US"/>
           </a:p>
@@ -414,7 +421,7 @@
           <a:p>
             <a:fld id="{D76BAD53-4B66-4A34-868F-48912594EE05}" type="datetimeFigureOut">
               <a:rPr lang="en-US" smtClean="0"/>
-              <a:t>11/20/2019</a:t>
+              <a:t>11/21/2019</a:t>
             </a:fld>
             <a:endParaRPr lang="en-US"/>
           </a:p>
@@ -594,7 +601,7 @@
           <a:p>
             <a:fld id="{D76BAD53-4B66-4A34-868F-48912594EE05}" type="datetimeFigureOut">
               <a:rPr lang="en-US" smtClean="0"/>
-              <a:t>11/20/2019</a:t>
+              <a:t>11/21/2019</a:t>
             </a:fld>
             <a:endParaRPr lang="en-US"/>
           </a:p>
@@ -764,7 +771,7 @@
           <a:p>
             <a:fld id="{D76BAD53-4B66-4A34-868F-48912594EE05}" type="datetimeFigureOut">
               <a:rPr lang="en-US" smtClean="0"/>
-              <a:t>11/20/2019</a:t>
+              <a:t>11/21/2019</a:t>
             </a:fld>
             <a:endParaRPr lang="en-US"/>
           </a:p>
@@ -1008,7 +1015,7 @@
           <a:p>
             <a:fld id="{D76BAD53-4B66-4A34-868F-48912594EE05}" type="datetimeFigureOut">
               <a:rPr lang="en-US" smtClean="0"/>
-              <a:t>11/20/2019</a:t>
+              <a:t>11/21/2019</a:t>
             </a:fld>
             <a:endParaRPr lang="en-US"/>
           </a:p>
@@ -1240,7 +1247,7 @@
           <a:p>
             <a:fld id="{D76BAD53-4B66-4A34-868F-48912594EE05}" type="datetimeFigureOut">
               <a:rPr lang="en-US" smtClean="0"/>
-              <a:t>11/20/2019</a:t>
+              <a:t>11/21/2019</a:t>
             </a:fld>
             <a:endParaRPr lang="en-US"/>
           </a:p>
@@ -1607,7 +1614,7 @@
           <a:p>
             <a:fld id="{D76BAD53-4B66-4A34-868F-48912594EE05}" type="datetimeFigureOut">
               <a:rPr lang="en-US" smtClean="0"/>
-              <a:t>11/20/2019</a:t>
+              <a:t>11/21/2019</a:t>
             </a:fld>
             <a:endParaRPr lang="en-US"/>
           </a:p>
@@ -1725,7 +1732,7 @@
           <a:p>
             <a:fld id="{D76BAD53-4B66-4A34-868F-48912594EE05}" type="datetimeFigureOut">
               <a:rPr lang="en-US" smtClean="0"/>
-              <a:t>11/20/2019</a:t>
+              <a:t>11/21/2019</a:t>
             </a:fld>
             <a:endParaRPr lang="en-US"/>
           </a:p>
@@ -1820,7 +1827,7 @@
           <a:p>
             <a:fld id="{D76BAD53-4B66-4A34-868F-48912594EE05}" type="datetimeFigureOut">
               <a:rPr lang="en-US" smtClean="0"/>
-              <a:t>11/20/2019</a:t>
+              <a:t>11/21/2019</a:t>
             </a:fld>
             <a:endParaRPr lang="en-US"/>
           </a:p>
@@ -2097,7 +2104,7 @@
           <a:p>
             <a:fld id="{D76BAD53-4B66-4A34-868F-48912594EE05}" type="datetimeFigureOut">
               <a:rPr lang="en-US" smtClean="0"/>
-              <a:t>11/20/2019</a:t>
+              <a:t>11/21/2019</a:t>
             </a:fld>
             <a:endParaRPr lang="en-US"/>
           </a:p>
@@ -2354,7 +2361,7 @@
           <a:p>
             <a:fld id="{D76BAD53-4B66-4A34-868F-48912594EE05}" type="datetimeFigureOut">
               <a:rPr lang="en-US" smtClean="0"/>
-              <a:t>11/20/2019</a:t>
+              <a:t>11/21/2019</a:t>
             </a:fld>
             <a:endParaRPr lang="en-US"/>
           </a:p>
@@ -2567,7 +2574,7 @@
           <a:p>
             <a:fld id="{D76BAD53-4B66-4A34-868F-48912594EE05}" type="datetimeFigureOut">
               <a:rPr lang="en-US" smtClean="0"/>
-              <a:t>11/20/2019</a:t>
+              <a:t>11/21/2019</a:t>
             </a:fld>
             <a:endParaRPr lang="en-US"/>
           </a:p>
@@ -3077,165 +3084,6 @@
           <a:p>
             <a:r>
               <a:rPr lang="en-CA" dirty="0" smtClean="0"/>
-              <a:t>What is ASCII</a:t>
-            </a:r>
-            <a:endParaRPr lang="en-US" dirty="0"/>
-          </a:p>
-        </p:txBody>
-      </p:sp>
-      <p:sp>
-        <p:nvSpPr>
-          <p:cNvPr id="3" name="Content Placeholder 2"/>
-          <p:cNvSpPr>
-            <a:spLocks noGrp="1"/>
-          </p:cNvSpPr>
-          <p:nvPr>
-            <p:ph idx="1"/>
-          </p:nvPr>
-        </p:nvSpPr>
-        <p:spPr/>
-        <p:txBody>
-          <a:bodyPr/>
-          <a:lstStyle/>
-          <a:p>
-            <a:pPr marL="514350" lvl="0" indent="-514350">
-              <a:buFont typeface="+mj-lt"/>
-              <a:buAutoNum type="arabicPeriod"/>
-            </a:pPr>
-            <a:r>
-              <a:rPr lang="en-US" dirty="0"/>
-              <a:t>What does the ASCII acronym stand </a:t>
-            </a:r>
-            <a:r>
-              <a:rPr lang="en-US" dirty="0" smtClean="0"/>
-              <a:t>for?</a:t>
-            </a:r>
-          </a:p>
-          <a:p>
-            <a:pPr lvl="1"/>
-            <a:r>
-              <a:rPr lang="en-US" b="1" dirty="0" smtClean="0"/>
-              <a:t>American </a:t>
-            </a:r>
-            <a:r>
-              <a:rPr lang="en-US" b="1" dirty="0"/>
-              <a:t>Standard Code for Information </a:t>
-            </a:r>
-            <a:r>
-              <a:rPr lang="en-US" b="1" dirty="0" smtClean="0"/>
-              <a:t>Interchange</a:t>
-            </a:r>
-            <a:br>
-              <a:rPr lang="en-US" b="1" dirty="0" smtClean="0"/>
-            </a:br>
-            <a:endParaRPr lang="en-US" dirty="0" smtClean="0"/>
-          </a:p>
-          <a:p>
-            <a:pPr marL="514350" lvl="0" indent="-514350">
-              <a:buFont typeface="+mj-lt"/>
-              <a:buAutoNum type="arabicPeriod"/>
-            </a:pPr>
-            <a:r>
-              <a:rPr lang="en-US" dirty="0" smtClean="0"/>
-              <a:t>What </a:t>
-            </a:r>
-            <a:r>
-              <a:rPr lang="en-US" dirty="0"/>
-              <a:t>is the ASCII code used for</a:t>
-            </a:r>
-            <a:r>
-              <a:rPr lang="en-US" dirty="0" smtClean="0"/>
-              <a:t>?</a:t>
-            </a:r>
-          </a:p>
-          <a:p>
-            <a:pPr lvl="1"/>
-            <a:r>
-              <a:rPr lang="en-CA" dirty="0" smtClean="0"/>
-              <a:t>Representing and storing text in computers</a:t>
-            </a:r>
-          </a:p>
-          <a:p>
-            <a:pPr lvl="2"/>
-            <a:r>
-              <a:rPr lang="en-CA" dirty="0" smtClean="0"/>
-              <a:t>Computers can only understand numbers (binary)</a:t>
-            </a:r>
-          </a:p>
-          <a:p>
-            <a:pPr lvl="2"/>
-            <a:r>
-              <a:rPr lang="en-CA" dirty="0" smtClean="0"/>
-              <a:t>Text symbols must be encoded as numbers</a:t>
-            </a:r>
-          </a:p>
-          <a:p>
-            <a:pPr lvl="1"/>
-            <a:r>
-              <a:rPr lang="en-CA" dirty="0" smtClean="0"/>
-              <a:t>Encoding text for electronic communication (e.g. web) </a:t>
-            </a:r>
-          </a:p>
-          <a:p>
-            <a:pPr lvl="2"/>
-            <a:r>
-              <a:rPr lang="en-CA" dirty="0" smtClean="0"/>
-              <a:t>Sending and receiving computers must both agree and understand the same encoding standard</a:t>
-            </a:r>
-            <a:endParaRPr lang="en-US" dirty="0"/>
-          </a:p>
-          <a:p>
-            <a:endParaRPr lang="en-US" dirty="0"/>
-          </a:p>
-        </p:txBody>
-      </p:sp>
-    </p:spTree>
-    <p:extLst>
-      <p:ext uri="{BB962C8B-B14F-4D97-AF65-F5344CB8AC3E}">
-        <p14:creationId xmlns:p14="http://schemas.microsoft.com/office/powerpoint/2010/main" val="558417473"/>
-      </p:ext>
-    </p:extLst>
-  </p:cSld>
-  <p:clrMapOvr>
-    <a:masterClrMapping/>
-  </p:clrMapOvr>
-</p:sld>
-</file>
-
-<file path=ppt/slides/slide3.xml><?xml version="1.0" encoding="utf-8"?>
-<p:sld xmlns:a="http://schemas.openxmlformats.org/drawingml/2006/main" xmlns:r="http://schemas.openxmlformats.org/officeDocument/2006/relationships" xmlns:p="http://schemas.openxmlformats.org/presentationml/2006/main">
-  <p:cSld>
-    <p:spTree>
-      <p:nvGrpSpPr>
-        <p:cNvPr id="1" name=""/>
-        <p:cNvGrpSpPr/>
-        <p:nvPr/>
-      </p:nvGrpSpPr>
-      <p:grpSpPr>
-        <a:xfrm>
-          <a:off x="0" y="0"/>
-          <a:ext cx="0" cy="0"/>
-          <a:chOff x="0" y="0"/>
-          <a:chExt cx="0" cy="0"/>
-        </a:xfrm>
-      </p:grpSpPr>
-      <p:sp>
-        <p:nvSpPr>
-          <p:cNvPr id="2" name="Title 1"/>
-          <p:cNvSpPr>
-            <a:spLocks noGrp="1"/>
-          </p:cNvSpPr>
-          <p:nvPr>
-            <p:ph type="title"/>
-          </p:nvPr>
-        </p:nvSpPr>
-        <p:spPr/>
-        <p:txBody>
-          <a:bodyPr/>
-          <a:lstStyle/>
-          <a:p>
-            <a:r>
-              <a:rPr lang="en-CA" dirty="0" smtClean="0"/>
               <a:t>The ASCII Table</a:t>
             </a:r>
             <a:endParaRPr lang="en-US" dirty="0"/>
@@ -3296,6 +3144,165 @@
 </p:sld>
 </file>
 
+<file path=ppt/slides/slide3.xml><?xml version="1.0" encoding="utf-8"?>
+<p:sld xmlns:a="http://schemas.openxmlformats.org/drawingml/2006/main" xmlns:r="http://schemas.openxmlformats.org/officeDocument/2006/relationships" xmlns:p="http://schemas.openxmlformats.org/presentationml/2006/main">
+  <p:cSld>
+    <p:spTree>
+      <p:nvGrpSpPr>
+        <p:cNvPr id="1" name=""/>
+        <p:cNvGrpSpPr/>
+        <p:nvPr/>
+      </p:nvGrpSpPr>
+      <p:grpSpPr>
+        <a:xfrm>
+          <a:off x="0" y="0"/>
+          <a:ext cx="0" cy="0"/>
+          <a:chOff x="0" y="0"/>
+          <a:chExt cx="0" cy="0"/>
+        </a:xfrm>
+      </p:grpSpPr>
+      <p:sp>
+        <p:nvSpPr>
+          <p:cNvPr id="2" name="Title 1"/>
+          <p:cNvSpPr>
+            <a:spLocks noGrp="1"/>
+          </p:cNvSpPr>
+          <p:nvPr>
+            <p:ph type="title"/>
+          </p:nvPr>
+        </p:nvSpPr>
+        <p:spPr/>
+        <p:txBody>
+          <a:bodyPr/>
+          <a:lstStyle/>
+          <a:p>
+            <a:r>
+              <a:rPr lang="en-CA" dirty="0" smtClean="0"/>
+              <a:t>What is ASCII</a:t>
+            </a:r>
+            <a:endParaRPr lang="en-US" dirty="0"/>
+          </a:p>
+        </p:txBody>
+      </p:sp>
+      <p:sp>
+        <p:nvSpPr>
+          <p:cNvPr id="3" name="Content Placeholder 2"/>
+          <p:cNvSpPr>
+            <a:spLocks noGrp="1"/>
+          </p:cNvSpPr>
+          <p:nvPr>
+            <p:ph idx="1"/>
+          </p:nvPr>
+        </p:nvSpPr>
+        <p:spPr/>
+        <p:txBody>
+          <a:bodyPr/>
+          <a:lstStyle/>
+          <a:p>
+            <a:pPr marL="514350" lvl="0" indent="-514350">
+              <a:buFont typeface="+mj-lt"/>
+              <a:buAutoNum type="arabicPeriod"/>
+            </a:pPr>
+            <a:r>
+              <a:rPr lang="en-US" dirty="0"/>
+              <a:t>What does the ASCII acronym stand </a:t>
+            </a:r>
+            <a:r>
+              <a:rPr lang="en-US" dirty="0" smtClean="0"/>
+              <a:t>for?</a:t>
+            </a:r>
+          </a:p>
+          <a:p>
+            <a:pPr lvl="1"/>
+            <a:r>
+              <a:rPr lang="en-US" b="1" dirty="0" smtClean="0"/>
+              <a:t>American </a:t>
+            </a:r>
+            <a:r>
+              <a:rPr lang="en-US" b="1" dirty="0"/>
+              <a:t>Standard Code for Information </a:t>
+            </a:r>
+            <a:r>
+              <a:rPr lang="en-US" b="1" dirty="0" smtClean="0"/>
+              <a:t>Interchange</a:t>
+            </a:r>
+            <a:br>
+              <a:rPr lang="en-US" b="1" dirty="0" smtClean="0"/>
+            </a:br>
+            <a:endParaRPr lang="en-US" dirty="0" smtClean="0"/>
+          </a:p>
+          <a:p>
+            <a:pPr marL="514350" lvl="0" indent="-514350">
+              <a:buFont typeface="+mj-lt"/>
+              <a:buAutoNum type="arabicPeriod"/>
+            </a:pPr>
+            <a:r>
+              <a:rPr lang="en-US" dirty="0" smtClean="0"/>
+              <a:t>What </a:t>
+            </a:r>
+            <a:r>
+              <a:rPr lang="en-US" dirty="0"/>
+              <a:t>is the ASCII code used for</a:t>
+            </a:r>
+            <a:r>
+              <a:rPr lang="en-US" dirty="0" smtClean="0"/>
+              <a:t>?</a:t>
+            </a:r>
+          </a:p>
+          <a:p>
+            <a:pPr lvl="1"/>
+            <a:r>
+              <a:rPr lang="en-CA" dirty="0" smtClean="0"/>
+              <a:t>Representing and storing text in computers</a:t>
+            </a:r>
+          </a:p>
+          <a:p>
+            <a:pPr lvl="2"/>
+            <a:r>
+              <a:rPr lang="en-CA" dirty="0" smtClean="0"/>
+              <a:t>Computers can only understand numbers (binary)</a:t>
+            </a:r>
+          </a:p>
+          <a:p>
+            <a:pPr lvl="2"/>
+            <a:r>
+              <a:rPr lang="en-CA" dirty="0" smtClean="0"/>
+              <a:t>Text symbols must be encoded as numbers</a:t>
+            </a:r>
+          </a:p>
+          <a:p>
+            <a:pPr lvl="1"/>
+            <a:r>
+              <a:rPr lang="en-CA" dirty="0" smtClean="0"/>
+              <a:t>Encoding text for electronic communication (e.g. web) </a:t>
+            </a:r>
+          </a:p>
+          <a:p>
+            <a:pPr lvl="2"/>
+            <a:r>
+              <a:rPr lang="en-CA" dirty="0" smtClean="0"/>
+              <a:t>Sending and receiving computers must both agree and understand the same encoding standard</a:t>
+            </a:r>
+            <a:endParaRPr lang="en-US" dirty="0"/>
+          </a:p>
+          <a:p>
+            <a:endParaRPr lang="en-US" dirty="0"/>
+          </a:p>
+        </p:txBody>
+      </p:sp>
+    </p:spTree>
+    <p:extLst>
+      <p:ext uri="{BB962C8B-B14F-4D97-AF65-F5344CB8AC3E}">
+        <p14:creationId xmlns:p14="http://schemas.microsoft.com/office/powerpoint/2010/main" val="558417473"/>
+      </p:ext>
+    </p:extLst>
+  </p:cSld>
+  <p:clrMapOvr>
+    <a:masterClrMapping/>
+  </p:clrMapOvr>
+</p:sld>
+</file>
+
 <file path=ppt/slides/slide4.xml><?xml version="1.0" encoding="utf-8"?>
 <p:sld xmlns:a="http://schemas.openxmlformats.org/drawingml/2006/main" xmlns:r="http://schemas.openxmlformats.org/officeDocument/2006/relationships" xmlns:p="http://schemas.openxmlformats.org/presentationml/2006/main">
   <p:cSld>
@@ -4179,6 +4186,442 @@
     <p:extLst>
       <p:ext uri="{BB962C8B-B14F-4D97-AF65-F5344CB8AC3E}">
         <p14:creationId xmlns:p14="http://schemas.microsoft.com/office/powerpoint/2010/main" val="980389793"/>
+      </p:ext>
+    </p:extLst>
+  </p:cSld>
+  <p:clrMapOvr>
+    <a:masterClrMapping/>
+  </p:clrMapOvr>
+</p:sld>
+</file>
+
+<file path=ppt/slides/slide8.xml><?xml version="1.0" encoding="utf-8"?>
+<p:sld xmlns:a="http://schemas.openxmlformats.org/drawingml/2006/main" xmlns:r="http://schemas.openxmlformats.org/officeDocument/2006/relationships" xmlns:p="http://schemas.openxmlformats.org/presentationml/2006/main">
+  <p:cSld>
+    <p:spTree>
+      <p:nvGrpSpPr>
+        <p:cNvPr id="1" name=""/>
+        <p:cNvGrpSpPr/>
+        <p:nvPr/>
+      </p:nvGrpSpPr>
+      <p:grpSpPr>
+        <a:xfrm>
+          <a:off x="0" y="0"/>
+          <a:ext cx="0" cy="0"/>
+          <a:chOff x="0" y="0"/>
+          <a:chExt cx="0" cy="0"/>
+        </a:xfrm>
+      </p:grpSpPr>
+      <p:sp>
+        <p:nvSpPr>
+          <p:cNvPr id="2" name="Title 1"/>
+          <p:cNvSpPr>
+            <a:spLocks noGrp="1"/>
+          </p:cNvSpPr>
+          <p:nvPr>
+            <p:ph type="title"/>
+          </p:nvPr>
+        </p:nvSpPr>
+        <p:spPr/>
+        <p:txBody>
+          <a:bodyPr/>
+          <a:lstStyle/>
+          <a:p>
+            <a:r>
+              <a:rPr lang="en-CA" dirty="0" smtClean="0"/>
+              <a:t>ASCII Strings</a:t>
+            </a:r>
+            <a:endParaRPr lang="en-US" dirty="0"/>
+          </a:p>
+        </p:txBody>
+      </p:sp>
+      <p:sp>
+        <p:nvSpPr>
+          <p:cNvPr id="3" name="Content Placeholder 2"/>
+          <p:cNvSpPr>
+            <a:spLocks noGrp="1"/>
+          </p:cNvSpPr>
+          <p:nvPr>
+            <p:ph idx="1"/>
+          </p:nvPr>
+        </p:nvSpPr>
+        <p:spPr/>
+        <p:txBody>
+          <a:bodyPr>
+            <a:normAutofit/>
+          </a:bodyPr>
+          <a:lstStyle/>
+          <a:p>
+            <a:r>
+              <a:rPr lang="en-CA" dirty="0" smtClean="0"/>
+              <a:t>A String is a sequence of individual text characters</a:t>
+            </a:r>
+          </a:p>
+          <a:p>
+            <a:endParaRPr lang="en-CA" sz="2000" dirty="0"/>
+          </a:p>
+          <a:p>
+            <a:pPr marL="514350" lvl="0" indent="-514350">
+              <a:buFont typeface="+mj-lt"/>
+              <a:buAutoNum type="arabicPeriod"/>
+            </a:pPr>
+            <a:r>
+              <a:rPr lang="en-US" sz="2000" dirty="0"/>
+              <a:t>How would you code the string “Hello” in ASCII</a:t>
+            </a:r>
+            <a:r>
+              <a:rPr lang="en-US" sz="2000" dirty="0" smtClean="0"/>
+              <a:t>?</a:t>
+            </a:r>
+            <a:r>
+              <a:rPr lang="en-US" sz="2000" dirty="0"/>
+              <a:t/>
+            </a:r>
+            <a:br>
+              <a:rPr lang="en-US" sz="2000" dirty="0"/>
+            </a:br>
+            <a:r>
+              <a:rPr lang="en-US" sz="2000" dirty="0"/>
+              <a:t/>
+            </a:r>
+            <a:br>
+              <a:rPr lang="en-US" sz="2000" dirty="0"/>
+            </a:br>
+            <a:endParaRPr lang="en-US" sz="2000" dirty="0"/>
+          </a:p>
+          <a:p>
+            <a:pPr marL="514350" lvl="0" indent="-514350">
+              <a:buFont typeface="+mj-lt"/>
+              <a:buAutoNum type="arabicPeriod"/>
+            </a:pPr>
+            <a:r>
+              <a:rPr lang="en-US" sz="2000" dirty="0"/>
+              <a:t>How would you code the string “127” in ASCII</a:t>
+            </a:r>
+            <a:r>
+              <a:rPr lang="en-US" sz="2000" dirty="0" smtClean="0"/>
+              <a:t>?</a:t>
+            </a:r>
+            <a:r>
+              <a:rPr lang="en-US" sz="2000" dirty="0"/>
+              <a:t/>
+            </a:r>
+            <a:br>
+              <a:rPr lang="en-US" sz="2000" dirty="0"/>
+            </a:br>
+            <a:r>
+              <a:rPr lang="en-US" sz="2000" dirty="0"/>
+              <a:t/>
+            </a:r>
+            <a:br>
+              <a:rPr lang="en-US" sz="2000" dirty="0"/>
+            </a:br>
+            <a:endParaRPr lang="en-US" sz="2000" dirty="0"/>
+          </a:p>
+          <a:p>
+            <a:pPr marL="514350" lvl="0" indent="-514350">
+              <a:buFont typeface="+mj-lt"/>
+              <a:buAutoNum type="arabicPeriod"/>
+            </a:pPr>
+            <a:r>
+              <a:rPr lang="en-US" sz="2000" dirty="0"/>
+              <a:t>What is the difference between 127 and “127”?</a:t>
+            </a:r>
+          </a:p>
+          <a:p>
+            <a:endParaRPr lang="en-US" dirty="0"/>
+          </a:p>
+        </p:txBody>
+      </p:sp>
+    </p:spTree>
+    <p:extLst>
+      <p:ext uri="{BB962C8B-B14F-4D97-AF65-F5344CB8AC3E}">
+        <p14:creationId xmlns:p14="http://schemas.microsoft.com/office/powerpoint/2010/main" val="1035736653"/>
+      </p:ext>
+    </p:extLst>
+  </p:cSld>
+  <p:clrMapOvr>
+    <a:masterClrMapping/>
+  </p:clrMapOvr>
+</p:sld>
+</file>
+
+<file path=ppt/slides/slide9.xml><?xml version="1.0" encoding="utf-8"?>
+<p:sld xmlns:a="http://schemas.openxmlformats.org/drawingml/2006/main" xmlns:r="http://schemas.openxmlformats.org/officeDocument/2006/relationships" xmlns:p="http://schemas.openxmlformats.org/presentationml/2006/main">
+  <p:cSld>
+    <p:spTree>
+      <p:nvGrpSpPr>
+        <p:cNvPr id="1" name=""/>
+        <p:cNvGrpSpPr/>
+        <p:nvPr/>
+      </p:nvGrpSpPr>
+      <p:grpSpPr>
+        <a:xfrm>
+          <a:off x="0" y="0"/>
+          <a:ext cx="0" cy="0"/>
+          <a:chOff x="0" y="0"/>
+          <a:chExt cx="0" cy="0"/>
+        </a:xfrm>
+      </p:grpSpPr>
+      <p:sp>
+        <p:nvSpPr>
+          <p:cNvPr id="2" name="Title 1"/>
+          <p:cNvSpPr>
+            <a:spLocks noGrp="1"/>
+          </p:cNvSpPr>
+          <p:nvPr>
+            <p:ph type="title"/>
+          </p:nvPr>
+        </p:nvSpPr>
+        <p:spPr/>
+        <p:txBody>
+          <a:bodyPr/>
+          <a:lstStyle/>
+          <a:p>
+            <a:r>
+              <a:rPr lang="en-CA" dirty="0" smtClean="0"/>
+              <a:t>ASCII Strings</a:t>
+            </a:r>
+            <a:endParaRPr lang="en-US" dirty="0"/>
+          </a:p>
+        </p:txBody>
+      </p:sp>
+      <p:sp>
+        <p:nvSpPr>
+          <p:cNvPr id="3" name="Content Placeholder 2"/>
+          <p:cNvSpPr>
+            <a:spLocks noGrp="1"/>
+          </p:cNvSpPr>
+          <p:nvPr>
+            <p:ph idx="1"/>
+          </p:nvPr>
+        </p:nvSpPr>
+        <p:spPr/>
+        <p:txBody>
+          <a:bodyPr>
+            <a:normAutofit/>
+          </a:bodyPr>
+          <a:lstStyle/>
+          <a:p>
+            <a:r>
+              <a:rPr lang="en-CA" dirty="0" smtClean="0"/>
+              <a:t>A String is a sequence of individual text characters</a:t>
+            </a:r>
+          </a:p>
+          <a:p>
+            <a:endParaRPr lang="en-CA" sz="2000" dirty="0"/>
+          </a:p>
+          <a:p>
+            <a:pPr marL="514350" lvl="0" indent="-514350">
+              <a:buFont typeface="+mj-lt"/>
+              <a:buAutoNum type="arabicPeriod"/>
+            </a:pPr>
+            <a:r>
+              <a:rPr lang="en-US" sz="2000" dirty="0"/>
+              <a:t>How would you code the string “Hello” in ASCII</a:t>
+            </a:r>
+            <a:r>
+              <a:rPr lang="en-US" sz="2000" dirty="0" smtClean="0"/>
+              <a:t>?</a:t>
+            </a:r>
+            <a:r>
+              <a:rPr lang="en-US" sz="2000" dirty="0"/>
+              <a:t/>
+            </a:r>
+            <a:br>
+              <a:rPr lang="en-US" sz="2000" dirty="0"/>
+            </a:br>
+            <a:r>
+              <a:rPr lang="en-US" sz="2000" dirty="0"/>
+              <a:t/>
+            </a:r>
+            <a:br>
+              <a:rPr lang="en-US" sz="2000" dirty="0"/>
+            </a:br>
+            <a:endParaRPr lang="en-US" sz="2000" dirty="0"/>
+          </a:p>
+          <a:p>
+            <a:pPr marL="514350" lvl="0" indent="-514350">
+              <a:buFont typeface="+mj-lt"/>
+              <a:buAutoNum type="arabicPeriod"/>
+            </a:pPr>
+            <a:r>
+              <a:rPr lang="en-US" sz="2000" dirty="0"/>
+              <a:t>How would you code the string “127” in ASCII</a:t>
+            </a:r>
+            <a:r>
+              <a:rPr lang="en-US" sz="2000" dirty="0" smtClean="0"/>
+              <a:t>?</a:t>
+            </a:r>
+            <a:r>
+              <a:rPr lang="en-US" sz="2000" dirty="0"/>
+              <a:t/>
+            </a:r>
+            <a:br>
+              <a:rPr lang="en-US" sz="2000" dirty="0"/>
+            </a:br>
+            <a:r>
+              <a:rPr lang="en-US" sz="2000" dirty="0"/>
+              <a:t/>
+            </a:r>
+            <a:br>
+              <a:rPr lang="en-US" sz="2000" dirty="0"/>
+            </a:br>
+            <a:endParaRPr lang="en-US" sz="2000" dirty="0"/>
+          </a:p>
+          <a:p>
+            <a:pPr marL="514350" lvl="0" indent="-514350">
+              <a:buFont typeface="+mj-lt"/>
+              <a:buAutoNum type="arabicPeriod"/>
+            </a:pPr>
+            <a:r>
+              <a:rPr lang="en-US" sz="2000" dirty="0"/>
+              <a:t>What is the difference between 127 and “127</a:t>
+            </a:r>
+            <a:r>
+              <a:rPr lang="en-US" sz="2000" dirty="0" smtClean="0"/>
+              <a:t>”?</a:t>
+            </a:r>
+            <a:br>
+              <a:rPr lang="en-US" sz="2000" dirty="0" smtClean="0"/>
+            </a:br>
+            <a:r>
+              <a:rPr lang="en-US" sz="2000" dirty="0" smtClean="0">
+                <a:solidFill>
+                  <a:srgbClr val="FF0000"/>
+                </a:solidFill>
+              </a:rPr>
+              <a:t>127 is an integer number. Computers don't need to use ASCII for numbers.</a:t>
+            </a:r>
+            <a:br>
+              <a:rPr lang="en-US" sz="2000" dirty="0" smtClean="0">
+                <a:solidFill>
+                  <a:srgbClr val="FF0000"/>
+                </a:solidFill>
+              </a:rPr>
+            </a:br>
+            <a:r>
+              <a:rPr lang="en-US" sz="2000" dirty="0" smtClean="0">
+                <a:solidFill>
+                  <a:srgbClr val="FF0000"/>
+                </a:solidFill>
+              </a:rPr>
+              <a:t>"127" is a string of text symbols. A human might see this as the number 127. A computer doesn't know it's a number.</a:t>
+            </a:r>
+            <a:endParaRPr lang="en-US" sz="2000" dirty="0">
+              <a:solidFill>
+                <a:srgbClr val="FF0000"/>
+              </a:solidFill>
+            </a:endParaRPr>
+          </a:p>
+          <a:p>
+            <a:endParaRPr lang="en-US" dirty="0"/>
+          </a:p>
+        </p:txBody>
+      </p:sp>
+      <p:sp>
+        <p:nvSpPr>
+          <p:cNvPr id="4" name="TextBox 3"/>
+          <p:cNvSpPr txBox="1"/>
+          <p:nvPr/>
+        </p:nvSpPr>
+        <p:spPr>
+          <a:xfrm>
+            <a:off x="6480819" y="2550160"/>
+            <a:ext cx="2034531" cy="646331"/>
+          </a:xfrm>
+          <a:prstGeom prst="rect">
+            <a:avLst/>
+          </a:prstGeom>
+          <a:noFill/>
+        </p:spPr>
+        <p:txBody>
+          <a:bodyPr wrap="none" rtlCol="0">
+            <a:spAutoFit/>
+          </a:bodyPr>
+          <a:lstStyle/>
+          <a:p>
+            <a:r>
+              <a:rPr lang="en-CA" dirty="0" smtClean="0"/>
+              <a:t>H   e      l      </a:t>
+            </a:r>
+            <a:r>
+              <a:rPr lang="en-CA" dirty="0" err="1" smtClean="0"/>
+              <a:t>l</a:t>
+            </a:r>
+            <a:r>
+              <a:rPr lang="en-CA" dirty="0" smtClean="0"/>
+              <a:t>      o</a:t>
+            </a:r>
+          </a:p>
+          <a:p>
+            <a:r>
+              <a:rPr lang="en-CA" dirty="0" smtClean="0">
+                <a:solidFill>
+                  <a:srgbClr val="FF0000"/>
+                </a:solidFill>
+              </a:rPr>
+              <a:t>72 101 108 108 111</a:t>
+            </a:r>
+            <a:endParaRPr lang="en-US" dirty="0">
+              <a:solidFill>
+                <a:srgbClr val="FF0000"/>
+              </a:solidFill>
+            </a:endParaRPr>
+          </a:p>
+        </p:txBody>
+      </p:sp>
+      <p:sp>
+        <p:nvSpPr>
+          <p:cNvPr id="5" name="TextBox 4"/>
+          <p:cNvSpPr txBox="1"/>
+          <p:nvPr/>
+        </p:nvSpPr>
+        <p:spPr>
+          <a:xfrm>
+            <a:off x="6551939" y="3597860"/>
+            <a:ext cx="1098378" cy="646331"/>
+          </a:xfrm>
+          <a:prstGeom prst="rect">
+            <a:avLst/>
+          </a:prstGeom>
+          <a:noFill/>
+        </p:spPr>
+        <p:txBody>
+          <a:bodyPr wrap="none" rtlCol="0">
+            <a:spAutoFit/>
+          </a:bodyPr>
+          <a:lstStyle/>
+          <a:p>
+            <a:pPr marL="342900" indent="-342900">
+              <a:buAutoNum type="arabicPlain"/>
+            </a:pPr>
+            <a:r>
+              <a:rPr lang="en-CA" dirty="0" smtClean="0"/>
+              <a:t>2    7</a:t>
+            </a:r>
+          </a:p>
+          <a:p>
+            <a:r>
+              <a:rPr lang="en-CA" dirty="0" smtClean="0">
+                <a:solidFill>
+                  <a:srgbClr val="FF0000"/>
+                </a:solidFill>
+              </a:rPr>
+              <a:t>49  50  55</a:t>
+            </a:r>
+            <a:endParaRPr lang="en-US" dirty="0">
+              <a:solidFill>
+                <a:srgbClr val="FF0000"/>
+              </a:solidFill>
+            </a:endParaRPr>
+          </a:p>
+        </p:txBody>
+      </p:sp>
+    </p:spTree>
+    <p:extLst>
+      <p:ext uri="{BB962C8B-B14F-4D97-AF65-F5344CB8AC3E}">
+        <p14:creationId xmlns:p14="http://schemas.microsoft.com/office/powerpoint/2010/main" val="676763767"/>
       </p:ext>
     </p:extLst>
   </p:cSld>

--- a/Topic B Programming Introduction/B.7 Lesson - ASCII Encoding.pptx
+++ b/Topic B Programming Introduction/B.7 Lesson - ASCII Encoding.pptx
@@ -14,6 +14,9 @@
     <p:sldId id="260" r:id="rId8"/>
     <p:sldId id="263" r:id="rId9"/>
     <p:sldId id="264" r:id="rId10"/>
+    <p:sldId id="265" r:id="rId11"/>
+    <p:sldId id="266" r:id="rId12"/>
+    <p:sldId id="267" r:id="rId13"/>
   </p:sldIdLst>
   <p:sldSz cx="9144000" cy="6858000" type="screen4x3"/>
   <p:notesSz cx="6858000" cy="9144000"/>
@@ -3047,6 +3050,407 @@
   <p:clrMapOvr>
     <a:masterClrMapping/>
   </p:clrMapOvr>
+  <p:timing>
+    <p:tnLst>
+      <p:par>
+        <p:cTn id="1" dur="indefinite" restart="never" nodeType="tmRoot"/>
+      </p:par>
+    </p:tnLst>
+  </p:timing>
+</p:sld>
+</file>
+
+<file path=ppt/slides/slide10.xml><?xml version="1.0" encoding="utf-8"?>
+<p:sld xmlns:a="http://schemas.openxmlformats.org/drawingml/2006/main" xmlns:r="http://schemas.openxmlformats.org/officeDocument/2006/relationships" xmlns:p="http://schemas.openxmlformats.org/presentationml/2006/main">
+  <p:cSld>
+    <p:spTree>
+      <p:nvGrpSpPr>
+        <p:cNvPr id="1" name=""/>
+        <p:cNvGrpSpPr/>
+        <p:nvPr/>
+      </p:nvGrpSpPr>
+      <p:grpSpPr>
+        <a:xfrm>
+          <a:off x="0" y="0"/>
+          <a:ext cx="0" cy="0"/>
+          <a:chOff x="0" y="0"/>
+          <a:chExt cx="0" cy="0"/>
+        </a:xfrm>
+      </p:grpSpPr>
+      <p:sp>
+        <p:nvSpPr>
+          <p:cNvPr id="2" name="Title 1"/>
+          <p:cNvSpPr>
+            <a:spLocks noGrp="1"/>
+          </p:cNvSpPr>
+          <p:nvPr>
+            <p:ph type="title"/>
+          </p:nvPr>
+        </p:nvSpPr>
+        <p:spPr/>
+        <p:txBody>
+          <a:bodyPr/>
+          <a:lstStyle/>
+          <a:p>
+            <a:r>
+              <a:rPr lang="en-CA" dirty="0" smtClean="0"/>
+              <a:t>Student Question #2</a:t>
+            </a:r>
+            <a:endParaRPr lang="en-US" dirty="0"/>
+          </a:p>
+        </p:txBody>
+      </p:sp>
+      <p:sp>
+        <p:nvSpPr>
+          <p:cNvPr id="3" name="Content Placeholder 2"/>
+          <p:cNvSpPr>
+            <a:spLocks noGrp="1"/>
+          </p:cNvSpPr>
+          <p:nvPr>
+            <p:ph idx="1"/>
+          </p:nvPr>
+        </p:nvSpPr>
+        <p:spPr/>
+        <p:txBody>
+          <a:bodyPr>
+            <a:normAutofit/>
+          </a:bodyPr>
+          <a:lstStyle/>
+          <a:p>
+            <a:r>
+              <a:rPr lang="en-CA" dirty="0" smtClean="0"/>
+              <a:t>Google "Unicode</a:t>
+            </a:r>
+            <a:r>
+              <a:rPr lang="en-CA" dirty="0" smtClean="0"/>
+              <a:t>"</a:t>
+            </a:r>
+          </a:p>
+          <a:p>
+            <a:pPr marL="457200" lvl="1" indent="0">
+              <a:buNone/>
+            </a:pPr>
+            <a:r>
+              <a:rPr lang="en-US" sz="2000" dirty="0" smtClean="0"/>
+              <a:t>Unicode </a:t>
+            </a:r>
+            <a:r>
+              <a:rPr lang="en-US" sz="2000" dirty="0"/>
+              <a:t>can handle characters for almost all modern languages and even some ancient languages at the same time, as long as the client has fonts for the particular language installed in his system</a:t>
+            </a:r>
+            <a:r>
+              <a:rPr lang="en-US" sz="2000" dirty="0" smtClean="0"/>
+              <a:t>.</a:t>
+            </a:r>
+          </a:p>
+          <a:p>
+            <a:pPr marL="457200" lvl="1" indent="0">
+              <a:buNone/>
+            </a:pPr>
+            <a:endParaRPr lang="en-CA" sz="2000" dirty="0" smtClean="0"/>
+          </a:p>
+          <a:p>
+            <a:r>
+              <a:rPr lang="en-CA" dirty="0" smtClean="0"/>
+              <a:t>Google UTF</a:t>
+            </a:r>
+          </a:p>
+          <a:p>
+            <a:pPr marL="457200" lvl="1" indent="0">
+              <a:buNone/>
+            </a:pPr>
+            <a:r>
+              <a:rPr lang="en-US" sz="2000" dirty="0" smtClean="0"/>
+              <a:t>UTF is an encoding that implements </a:t>
+            </a:r>
+            <a:r>
+              <a:rPr lang="en-US" sz="2000" dirty="0"/>
+              <a:t>the Unicode standard and </a:t>
+            </a:r>
+            <a:r>
+              <a:rPr lang="en-US" sz="2000" dirty="0" smtClean="0"/>
+              <a:t>goes </a:t>
+            </a:r>
+            <a:r>
+              <a:rPr lang="en-US" sz="2000" dirty="0"/>
+              <a:t>beyond 8-bits </a:t>
+            </a:r>
+            <a:r>
+              <a:rPr lang="en-US" sz="2000" dirty="0" smtClean="0"/>
+              <a:t>to </a:t>
+            </a:r>
+            <a:r>
+              <a:rPr lang="en-US" sz="2000" dirty="0"/>
+              <a:t>support almost every language in the world</a:t>
+            </a:r>
+            <a:r>
+              <a:rPr lang="en-US" sz="2000" dirty="0" smtClean="0"/>
+              <a:t>. Versions include UTF-8, UTF-16, and UTF-32 (8, 16, and 32 bits)</a:t>
+            </a:r>
+          </a:p>
+          <a:p>
+            <a:pPr marL="457200" lvl="1" indent="0">
+              <a:buNone/>
+            </a:pPr>
+            <a:endParaRPr lang="en-CA" sz="2000" dirty="0"/>
+          </a:p>
+          <a:p>
+            <a:pPr marL="457200" lvl="1" indent="0">
+              <a:buNone/>
+            </a:pPr>
+            <a:r>
+              <a:rPr lang="en-CA" sz="2000" dirty="0" smtClean="0"/>
+              <a:t>ASCII is contained within UTF-8</a:t>
+            </a:r>
+            <a:endParaRPr lang="en-US" sz="2000" dirty="0"/>
+          </a:p>
+        </p:txBody>
+      </p:sp>
+    </p:spTree>
+    <p:extLst>
+      <p:ext uri="{BB962C8B-B14F-4D97-AF65-F5344CB8AC3E}">
+        <p14:creationId xmlns:p14="http://schemas.microsoft.com/office/powerpoint/2010/main" val="2424590081"/>
+      </p:ext>
+    </p:extLst>
+  </p:cSld>
+  <p:clrMapOvr>
+    <a:masterClrMapping/>
+  </p:clrMapOvr>
+  <p:timing>
+    <p:tnLst>
+      <p:par>
+        <p:cTn id="1" dur="indefinite" restart="never" nodeType="tmRoot"/>
+      </p:par>
+    </p:tnLst>
+  </p:timing>
+</p:sld>
+</file>
+
+<file path=ppt/slides/slide11.xml><?xml version="1.0" encoding="utf-8"?>
+<p:sld xmlns:a="http://schemas.openxmlformats.org/drawingml/2006/main" xmlns:r="http://schemas.openxmlformats.org/officeDocument/2006/relationships" xmlns:p="http://schemas.openxmlformats.org/presentationml/2006/main">
+  <p:cSld>
+    <p:spTree>
+      <p:nvGrpSpPr>
+        <p:cNvPr id="1" name=""/>
+        <p:cNvGrpSpPr/>
+        <p:nvPr/>
+      </p:nvGrpSpPr>
+      <p:grpSpPr>
+        <a:xfrm>
+          <a:off x="0" y="0"/>
+          <a:ext cx="0" cy="0"/>
+          <a:chOff x="0" y="0"/>
+          <a:chExt cx="0" cy="0"/>
+        </a:xfrm>
+      </p:grpSpPr>
+      <p:sp>
+        <p:nvSpPr>
+          <p:cNvPr id="2" name="Title 1"/>
+          <p:cNvSpPr>
+            <a:spLocks noGrp="1"/>
+          </p:cNvSpPr>
+          <p:nvPr>
+            <p:ph type="title"/>
+          </p:nvPr>
+        </p:nvSpPr>
+        <p:spPr/>
+        <p:txBody>
+          <a:bodyPr/>
+          <a:lstStyle/>
+          <a:p>
+            <a:r>
+              <a:rPr lang="en-CA" dirty="0" smtClean="0"/>
+              <a:t>Unicode</a:t>
+            </a:r>
+            <a:endParaRPr lang="en-US" dirty="0"/>
+          </a:p>
+        </p:txBody>
+      </p:sp>
+      <p:pic>
+        <p:nvPicPr>
+          <p:cNvPr id="1028" name="Picture 4" descr="Image result for unicode"/>
+          <p:cNvPicPr>
+            <a:picLocks noChangeAspect="1" noChangeArrowheads="1"/>
+          </p:cNvPicPr>
+          <p:nvPr/>
+        </p:nvPicPr>
+        <p:blipFill>
+          <a:blip r:embed="rId2">
+            <a:extLst>
+              <a:ext uri="{28A0092B-C50C-407E-A947-70E740481C1C}">
+                <a14:useLocalDpi xmlns:a14="http://schemas.microsoft.com/office/drawing/2010/main" val="0"/>
+              </a:ext>
+            </a:extLst>
+          </a:blip>
+          <a:srcRect/>
+          <a:stretch>
+            <a:fillRect/>
+          </a:stretch>
+        </p:blipFill>
+        <p:spPr bwMode="auto">
+          <a:xfrm>
+            <a:off x="1039495" y="1587182"/>
+            <a:ext cx="6922015" cy="4254818"/>
+          </a:xfrm>
+          <a:prstGeom prst="rect">
+            <a:avLst/>
+          </a:prstGeom>
+          <a:noFill/>
+          <a:extLst>
+            <a:ext uri="{909E8E84-426E-40DD-AFC4-6F175D3DCCD1}">
+              <a14:hiddenFill xmlns:a14="http://schemas.microsoft.com/office/drawing/2010/main">
+                <a:solidFill>
+                  <a:srgbClr val="FFFFFF"/>
+                </a:solidFill>
+              </a14:hiddenFill>
+            </a:ext>
+          </a:extLst>
+        </p:spPr>
+      </p:pic>
+    </p:spTree>
+    <p:extLst>
+      <p:ext uri="{BB962C8B-B14F-4D97-AF65-F5344CB8AC3E}">
+        <p14:creationId xmlns:p14="http://schemas.microsoft.com/office/powerpoint/2010/main" val="1818686075"/>
+      </p:ext>
+    </p:extLst>
+  </p:cSld>
+  <p:clrMapOvr>
+    <a:masterClrMapping/>
+  </p:clrMapOvr>
+</p:sld>
+</file>
+
+<file path=ppt/slides/slide12.xml><?xml version="1.0" encoding="utf-8"?>
+<p:sld xmlns:a="http://schemas.openxmlformats.org/drawingml/2006/main" xmlns:r="http://schemas.openxmlformats.org/officeDocument/2006/relationships" xmlns:p="http://schemas.openxmlformats.org/presentationml/2006/main">
+  <p:cSld>
+    <p:spTree>
+      <p:nvGrpSpPr>
+        <p:cNvPr id="1" name=""/>
+        <p:cNvGrpSpPr/>
+        <p:nvPr/>
+      </p:nvGrpSpPr>
+      <p:grpSpPr>
+        <a:xfrm>
+          <a:off x="0" y="0"/>
+          <a:ext cx="0" cy="0"/>
+          <a:chOff x="0" y="0"/>
+          <a:chExt cx="0" cy="0"/>
+        </a:xfrm>
+      </p:grpSpPr>
+      <p:sp>
+        <p:nvSpPr>
+          <p:cNvPr id="2" name="Title 1"/>
+          <p:cNvSpPr>
+            <a:spLocks noGrp="1"/>
+          </p:cNvSpPr>
+          <p:nvPr>
+            <p:ph type="title"/>
+          </p:nvPr>
+        </p:nvSpPr>
+        <p:spPr/>
+        <p:txBody>
+          <a:bodyPr/>
+          <a:lstStyle/>
+          <a:p>
+            <a:r>
+              <a:rPr lang="en-CA" dirty="0" smtClean="0"/>
+              <a:t>Python</a:t>
+            </a:r>
+            <a:endParaRPr lang="en-US" dirty="0"/>
+          </a:p>
+        </p:txBody>
+      </p:sp>
+      <p:sp>
+        <p:nvSpPr>
+          <p:cNvPr id="4" name="Content Placeholder 3"/>
+          <p:cNvSpPr>
+            <a:spLocks noGrp="1"/>
+          </p:cNvSpPr>
+          <p:nvPr>
+            <p:ph idx="1"/>
+          </p:nvPr>
+        </p:nvSpPr>
+        <p:spPr>
+          <a:xfrm>
+            <a:off x="628650" y="1825625"/>
+            <a:ext cx="7886700" cy="694055"/>
+          </a:xfrm>
+        </p:spPr>
+        <p:txBody>
+          <a:bodyPr/>
+          <a:lstStyle/>
+          <a:p>
+            <a:r>
+              <a:rPr lang="en-CA" dirty="0" smtClean="0"/>
+              <a:t>Try this:</a:t>
+            </a:r>
+          </a:p>
+          <a:p>
+            <a:endParaRPr lang="en-CA" dirty="0"/>
+          </a:p>
+          <a:p>
+            <a:endParaRPr lang="en-US" dirty="0"/>
+          </a:p>
+        </p:txBody>
+      </p:sp>
+      <p:pic>
+        <p:nvPicPr>
+          <p:cNvPr id="5" name="Picture 4"/>
+          <p:cNvPicPr>
+            <a:picLocks noChangeAspect="1"/>
+          </p:cNvPicPr>
+          <p:nvPr/>
+        </p:nvPicPr>
+        <p:blipFill>
+          <a:blip r:embed="rId2"/>
+          <a:stretch>
+            <a:fillRect/>
+          </a:stretch>
+        </p:blipFill>
+        <p:spPr>
+          <a:xfrm>
+            <a:off x="1312862" y="2654616"/>
+            <a:ext cx="3094445" cy="2029144"/>
+          </a:xfrm>
+          <a:prstGeom prst="rect">
+            <a:avLst/>
+          </a:prstGeom>
+        </p:spPr>
+      </p:pic>
+      <p:pic>
+        <p:nvPicPr>
+          <p:cNvPr id="6" name="Picture 5"/>
+          <p:cNvPicPr>
+            <a:picLocks noChangeAspect="1"/>
+          </p:cNvPicPr>
+          <p:nvPr/>
+        </p:nvPicPr>
+        <p:blipFill>
+          <a:blip r:embed="rId3"/>
+          <a:stretch>
+            <a:fillRect/>
+          </a:stretch>
+        </p:blipFill>
+        <p:spPr>
+          <a:xfrm>
+            <a:off x="5158740" y="2519680"/>
+            <a:ext cx="2774056" cy="1971040"/>
+          </a:xfrm>
+          <a:prstGeom prst="rect">
+            <a:avLst/>
+          </a:prstGeom>
+        </p:spPr>
+      </p:pic>
+    </p:spTree>
+    <p:extLst>
+      <p:ext uri="{BB962C8B-B14F-4D97-AF65-F5344CB8AC3E}">
+        <p14:creationId xmlns:p14="http://schemas.microsoft.com/office/powerpoint/2010/main" val="1553163522"/>
+      </p:ext>
+    </p:extLst>
+  </p:cSld>
+  <p:clrMapOvr>
+    <a:masterClrMapping/>
+  </p:clrMapOvr>
 </p:sld>
 </file>
 
@@ -3141,6 +3545,13 @@
   <p:clrMapOvr>
     <a:masterClrMapping/>
   </p:clrMapOvr>
+  <p:timing>
+    <p:tnLst>
+      <p:par>
+        <p:cTn id="1" dur="indefinite" restart="never" nodeType="tmRoot"/>
+      </p:par>
+    </p:tnLst>
+  </p:timing>
 </p:sld>
 </file>
 
@@ -3300,6 +3711,13 @@
   <p:clrMapOvr>
     <a:masterClrMapping/>
   </p:clrMapOvr>
+  <p:timing>
+    <p:tnLst>
+      <p:par>
+        <p:cTn id="1" dur="indefinite" restart="never" nodeType="tmRoot"/>
+      </p:par>
+    </p:tnLst>
+  </p:timing>
 </p:sld>
 </file>
 
@@ -3544,6 +3962,13 @@
   <p:clrMapOvr>
     <a:masterClrMapping/>
   </p:clrMapOvr>
+  <p:timing>
+    <p:tnLst>
+      <p:par>
+        <p:cTn id="1" dur="indefinite" restart="never" nodeType="tmRoot"/>
+      </p:par>
+    </p:tnLst>
+  </p:timing>
 </p:sld>
 </file>
 
@@ -3764,6 +4189,13 @@
   <p:clrMapOvr>
     <a:masterClrMapping/>
   </p:clrMapOvr>
+  <p:timing>
+    <p:tnLst>
+      <p:par>
+        <p:cTn id="1" dur="indefinite" restart="never" nodeType="tmRoot"/>
+      </p:par>
+    </p:tnLst>
+  </p:timing>
 </p:sld>
 </file>
 
@@ -3985,6 +4417,13 @@
   <p:clrMapOvr>
     <a:masterClrMapping/>
   </p:clrMapOvr>
+  <p:timing>
+    <p:tnLst>
+      <p:par>
+        <p:cTn id="1" dur="indefinite" restart="never" nodeType="tmRoot"/>
+      </p:par>
+    </p:tnLst>
+  </p:timing>
 </p:sld>
 </file>
 
@@ -4192,6 +4631,13 @@
   <p:clrMapOvr>
     <a:masterClrMapping/>
   </p:clrMapOvr>
+  <p:timing>
+    <p:tnLst>
+      <p:par>
+        <p:cTn id="1" dur="indefinite" restart="never" nodeType="tmRoot"/>
+      </p:par>
+    </p:tnLst>
+  </p:timing>
 </p:sld>
 </file>
 
@@ -4343,6 +4789,13 @@
   <p:clrMapOvr>
     <a:masterClrMapping/>
   </p:clrMapOvr>
+  <p:timing>
+    <p:tnLst>
+      <p:par>
+        <p:cTn id="1" dur="indefinite" restart="never" nodeType="tmRoot"/>
+      </p:par>
+    </p:tnLst>
+  </p:timing>
 </p:sld>
 </file>
 
@@ -4628,6 +5081,13 @@
   <p:clrMapOvr>
     <a:masterClrMapping/>
   </p:clrMapOvr>
+  <p:timing>
+    <p:tnLst>
+      <p:par>
+        <p:cTn id="1" dur="indefinite" restart="never" nodeType="tmRoot"/>
+      </p:par>
+    </p:tnLst>
+  </p:timing>
 </p:sld>
 </file>
 

--- a/Topic B Programming Introduction/B.7 Lesson - ASCII Encoding.pptx
+++ b/Topic B Programming Introduction/B.7 Lesson - ASCII Encoding.pptx
@@ -17,6 +17,8 @@
     <p:sldId id="265" r:id="rId11"/>
     <p:sldId id="266" r:id="rId12"/>
     <p:sldId id="267" r:id="rId13"/>
+    <p:sldId id="268" r:id="rId14"/>
+    <p:sldId id="269" r:id="rId15"/>
   </p:sldIdLst>
   <p:sldSz cx="9144000" cy="6858000" type="screen4x3"/>
   <p:notesSz cx="6858000" cy="9144000"/>
@@ -254,7 +256,7 @@
           <a:p>
             <a:fld id="{D76BAD53-4B66-4A34-868F-48912594EE05}" type="datetimeFigureOut">
               <a:rPr lang="en-US" smtClean="0"/>
-              <a:t>11/21/2019</a:t>
+              <a:t>11/22/2019</a:t>
             </a:fld>
             <a:endParaRPr lang="en-US"/>
           </a:p>
@@ -424,7 +426,7 @@
           <a:p>
             <a:fld id="{D76BAD53-4B66-4A34-868F-48912594EE05}" type="datetimeFigureOut">
               <a:rPr lang="en-US" smtClean="0"/>
-              <a:t>11/21/2019</a:t>
+              <a:t>11/22/2019</a:t>
             </a:fld>
             <a:endParaRPr lang="en-US"/>
           </a:p>
@@ -604,7 +606,7 @@
           <a:p>
             <a:fld id="{D76BAD53-4B66-4A34-868F-48912594EE05}" type="datetimeFigureOut">
               <a:rPr lang="en-US" smtClean="0"/>
-              <a:t>11/21/2019</a:t>
+              <a:t>11/22/2019</a:t>
             </a:fld>
             <a:endParaRPr lang="en-US"/>
           </a:p>
@@ -774,7 +776,7 @@
           <a:p>
             <a:fld id="{D76BAD53-4B66-4A34-868F-48912594EE05}" type="datetimeFigureOut">
               <a:rPr lang="en-US" smtClean="0"/>
-              <a:t>11/21/2019</a:t>
+              <a:t>11/22/2019</a:t>
             </a:fld>
             <a:endParaRPr lang="en-US"/>
           </a:p>
@@ -1018,7 +1020,7 @@
           <a:p>
             <a:fld id="{D76BAD53-4B66-4A34-868F-48912594EE05}" type="datetimeFigureOut">
               <a:rPr lang="en-US" smtClean="0"/>
-              <a:t>11/21/2019</a:t>
+              <a:t>11/22/2019</a:t>
             </a:fld>
             <a:endParaRPr lang="en-US"/>
           </a:p>
@@ -1250,7 +1252,7 @@
           <a:p>
             <a:fld id="{D76BAD53-4B66-4A34-868F-48912594EE05}" type="datetimeFigureOut">
               <a:rPr lang="en-US" smtClean="0"/>
-              <a:t>11/21/2019</a:t>
+              <a:t>11/22/2019</a:t>
             </a:fld>
             <a:endParaRPr lang="en-US"/>
           </a:p>
@@ -1617,7 +1619,7 @@
           <a:p>
             <a:fld id="{D76BAD53-4B66-4A34-868F-48912594EE05}" type="datetimeFigureOut">
               <a:rPr lang="en-US" smtClean="0"/>
-              <a:t>11/21/2019</a:t>
+              <a:t>11/22/2019</a:t>
             </a:fld>
             <a:endParaRPr lang="en-US"/>
           </a:p>
@@ -1735,7 +1737,7 @@
           <a:p>
             <a:fld id="{D76BAD53-4B66-4A34-868F-48912594EE05}" type="datetimeFigureOut">
               <a:rPr lang="en-US" smtClean="0"/>
-              <a:t>11/21/2019</a:t>
+              <a:t>11/22/2019</a:t>
             </a:fld>
             <a:endParaRPr lang="en-US"/>
           </a:p>
@@ -1830,7 +1832,7 @@
           <a:p>
             <a:fld id="{D76BAD53-4B66-4A34-868F-48912594EE05}" type="datetimeFigureOut">
               <a:rPr lang="en-US" smtClean="0"/>
-              <a:t>11/21/2019</a:t>
+              <a:t>11/22/2019</a:t>
             </a:fld>
             <a:endParaRPr lang="en-US"/>
           </a:p>
@@ -2107,7 +2109,7 @@
           <a:p>
             <a:fld id="{D76BAD53-4B66-4A34-868F-48912594EE05}" type="datetimeFigureOut">
               <a:rPr lang="en-US" smtClean="0"/>
-              <a:t>11/21/2019</a:t>
+              <a:t>11/22/2019</a:t>
             </a:fld>
             <a:endParaRPr lang="en-US"/>
           </a:p>
@@ -2364,7 +2366,7 @@
           <a:p>
             <a:fld id="{D76BAD53-4B66-4A34-868F-48912594EE05}" type="datetimeFigureOut">
               <a:rPr lang="en-US" smtClean="0"/>
-              <a:t>11/21/2019</a:t>
+              <a:t>11/22/2019</a:t>
             </a:fld>
             <a:endParaRPr lang="en-US"/>
           </a:p>
@@ -2577,7 +2579,7 @@
           <a:p>
             <a:fld id="{D76BAD53-4B66-4A34-868F-48912594EE05}" type="datetimeFigureOut">
               <a:rPr lang="en-US" smtClean="0"/>
-              <a:t>11/21/2019</a:t>
+              <a:t>11/22/2019</a:t>
             </a:fld>
             <a:endParaRPr lang="en-US"/>
           </a:p>
@@ -3119,11 +3121,7 @@
           <a:p>
             <a:r>
               <a:rPr lang="en-CA" dirty="0" smtClean="0"/>
-              <a:t>Google "Unicode</a:t>
-            </a:r>
-            <a:r>
-              <a:rPr lang="en-CA" dirty="0" smtClean="0"/>
-              <a:t>"</a:t>
+              <a:t>Google "Unicode"</a:t>
             </a:r>
           </a:p>
           <a:p>
@@ -3445,6 +3443,167 @@
     <p:extLst>
       <p:ext uri="{BB962C8B-B14F-4D97-AF65-F5344CB8AC3E}">
         <p14:creationId xmlns:p14="http://schemas.microsoft.com/office/powerpoint/2010/main" val="1553163522"/>
+      </p:ext>
+    </p:extLst>
+  </p:cSld>
+  <p:clrMapOvr>
+    <a:masterClrMapping/>
+  </p:clrMapOvr>
+</p:sld>
+</file>
+
+<file path=ppt/slides/slide13.xml><?xml version="1.0" encoding="utf-8"?>
+<p:sld xmlns:a="http://schemas.openxmlformats.org/drawingml/2006/main" xmlns:r="http://schemas.openxmlformats.org/officeDocument/2006/relationships" xmlns:p="http://schemas.openxmlformats.org/presentationml/2006/main">
+  <p:cSld>
+    <p:spTree>
+      <p:nvGrpSpPr>
+        <p:cNvPr id="1" name=""/>
+        <p:cNvGrpSpPr/>
+        <p:nvPr/>
+      </p:nvGrpSpPr>
+      <p:grpSpPr>
+        <a:xfrm>
+          <a:off x="0" y="0"/>
+          <a:ext cx="0" cy="0"/>
+          <a:chOff x="0" y="0"/>
+          <a:chExt cx="0" cy="0"/>
+        </a:xfrm>
+      </p:grpSpPr>
+      <p:sp>
+        <p:nvSpPr>
+          <p:cNvPr id="2" name="Title 1"/>
+          <p:cNvSpPr>
+            <a:spLocks noGrp="1"/>
+          </p:cNvSpPr>
+          <p:nvPr>
+            <p:ph type="title"/>
+          </p:nvPr>
+        </p:nvSpPr>
+        <p:spPr/>
+        <p:txBody>
+          <a:bodyPr/>
+          <a:lstStyle/>
+          <a:p>
+            <a:r>
+              <a:rPr lang="en-CA" dirty="0" smtClean="0"/>
+              <a:t>Student Question #5</a:t>
+            </a:r>
+            <a:endParaRPr lang="en-US" dirty="0"/>
+          </a:p>
+        </p:txBody>
+      </p:sp>
+      <p:pic>
+        <p:nvPicPr>
+          <p:cNvPr id="4" name="Picture 3"/>
+          <p:cNvPicPr>
+            <a:picLocks noChangeAspect="1"/>
+          </p:cNvPicPr>
+          <p:nvPr/>
+        </p:nvPicPr>
+        <p:blipFill>
+          <a:blip r:embed="rId2"/>
+          <a:stretch>
+            <a:fillRect/>
+          </a:stretch>
+        </p:blipFill>
+        <p:spPr>
+          <a:xfrm>
+            <a:off x="1030761" y="1690689"/>
+            <a:ext cx="7028125" cy="4136905"/>
+          </a:xfrm>
+          <a:prstGeom prst="rect">
+            <a:avLst/>
+          </a:prstGeom>
+        </p:spPr>
+      </p:pic>
+    </p:spTree>
+    <p:extLst>
+      <p:ext uri="{BB962C8B-B14F-4D97-AF65-F5344CB8AC3E}">
+        <p14:creationId xmlns:p14="http://schemas.microsoft.com/office/powerpoint/2010/main" val="2528758046"/>
+      </p:ext>
+    </p:extLst>
+  </p:cSld>
+  <p:clrMapOvr>
+    <a:masterClrMapping/>
+  </p:clrMapOvr>
+</p:sld>
+</file>
+
+<file path=ppt/slides/slide14.xml><?xml version="1.0" encoding="utf-8"?>
+<p:sld xmlns:a="http://schemas.openxmlformats.org/drawingml/2006/main" xmlns:r="http://schemas.openxmlformats.org/officeDocument/2006/relationships" xmlns:p="http://schemas.openxmlformats.org/presentationml/2006/main">
+  <p:cSld>
+    <p:spTree>
+      <p:nvGrpSpPr>
+        <p:cNvPr id="1" name=""/>
+        <p:cNvGrpSpPr/>
+        <p:nvPr/>
+      </p:nvGrpSpPr>
+      <p:grpSpPr>
+        <a:xfrm>
+          <a:off x="0" y="0"/>
+          <a:ext cx="0" cy="0"/>
+          <a:chOff x="0" y="0"/>
+          <a:chExt cx="0" cy="0"/>
+        </a:xfrm>
+      </p:grpSpPr>
+      <p:sp>
+        <p:nvSpPr>
+          <p:cNvPr id="2" name="Title 1"/>
+          <p:cNvSpPr>
+            <a:spLocks noGrp="1"/>
+          </p:cNvSpPr>
+          <p:nvPr>
+            <p:ph type="title"/>
+          </p:nvPr>
+        </p:nvSpPr>
+        <p:spPr/>
+        <p:txBody>
+          <a:bodyPr/>
+          <a:lstStyle/>
+          <a:p>
+            <a:r>
+              <a:rPr lang="en-CA" dirty="0" smtClean="0"/>
+              <a:t>Student </a:t>
+            </a:r>
+            <a:br>
+              <a:rPr lang="en-CA" dirty="0" smtClean="0"/>
+            </a:br>
+            <a:r>
+              <a:rPr lang="en-CA" dirty="0" smtClean="0"/>
+              <a:t>Question #6</a:t>
+            </a:r>
+            <a:endParaRPr lang="en-US" dirty="0"/>
+          </a:p>
+        </p:txBody>
+      </p:sp>
+      <p:pic>
+        <p:nvPicPr>
+          <p:cNvPr id="3" name="Picture 2"/>
+          <p:cNvPicPr>
+            <a:picLocks noChangeAspect="1"/>
+          </p:cNvPicPr>
+          <p:nvPr/>
+        </p:nvPicPr>
+        <p:blipFill>
+          <a:blip r:embed="rId2"/>
+          <a:stretch>
+            <a:fillRect/>
+          </a:stretch>
+        </p:blipFill>
+        <p:spPr>
+          <a:xfrm>
+            <a:off x="3781425" y="166687"/>
+            <a:ext cx="4733925" cy="6524625"/>
+          </a:xfrm>
+          <a:prstGeom prst="rect">
+            <a:avLst/>
+          </a:prstGeom>
+        </p:spPr>
+      </p:pic>
+    </p:spTree>
+    <p:extLst>
+      <p:ext uri="{BB962C8B-B14F-4D97-AF65-F5344CB8AC3E}">
+        <p14:creationId xmlns:p14="http://schemas.microsoft.com/office/powerpoint/2010/main" val="2247228001"/>
       </p:ext>
     </p:extLst>
   </p:cSld>

--- a/Topic B Programming Introduction/B.7 Lesson - ASCII Encoding.pptx
+++ b/Topic B Programming Introduction/B.7 Lesson - ASCII Encoding.pptx
@@ -17,8 +17,10 @@
     <p:sldId id="265" r:id="rId11"/>
     <p:sldId id="266" r:id="rId12"/>
     <p:sldId id="267" r:id="rId13"/>
-    <p:sldId id="268" r:id="rId14"/>
-    <p:sldId id="269" r:id="rId15"/>
+    <p:sldId id="270" r:id="rId14"/>
+    <p:sldId id="271" r:id="rId15"/>
+    <p:sldId id="268" r:id="rId16"/>
+    <p:sldId id="269" r:id="rId17"/>
   </p:sldIdLst>
   <p:sldSz cx="9144000" cy="6858000" type="screen4x3"/>
   <p:notesSz cx="6858000" cy="9144000"/>
@@ -3486,7 +3488,275 @@
           <a:p>
             <a:r>
               <a:rPr lang="en-CA" dirty="0" smtClean="0"/>
-              <a:t>Student Question #5</a:t>
+              <a:t>Student Question #5 &amp; 6</a:t>
+            </a:r>
+            <a:endParaRPr lang="en-US" dirty="0"/>
+          </a:p>
+        </p:txBody>
+      </p:sp>
+      <p:sp>
+        <p:nvSpPr>
+          <p:cNvPr id="3" name="Content Placeholder 2"/>
+          <p:cNvSpPr>
+            <a:spLocks noGrp="1"/>
+          </p:cNvSpPr>
+          <p:nvPr>
+            <p:ph idx="1"/>
+          </p:nvPr>
+        </p:nvSpPr>
+        <p:spPr/>
+        <p:txBody>
+          <a:bodyPr/>
+          <a:lstStyle/>
+          <a:p>
+            <a:r>
+              <a:rPr lang="en-CA" dirty="0" smtClean="0"/>
+              <a:t>Start with this code from B.2</a:t>
+            </a:r>
+          </a:p>
+          <a:p>
+            <a:endParaRPr lang="en-CA" dirty="0"/>
+          </a:p>
+          <a:p>
+            <a:endParaRPr lang="en-CA" dirty="0" smtClean="0"/>
+          </a:p>
+          <a:p>
+            <a:pPr marL="0" indent="0">
+              <a:buNone/>
+            </a:pPr>
+            <a:endParaRPr lang="en-CA" dirty="0"/>
+          </a:p>
+          <a:p>
+            <a:r>
+              <a:rPr lang="en-CA" dirty="0" smtClean="0"/>
+              <a:t>Modify it for text and ASCII conversion </a:t>
+            </a:r>
+            <a:endParaRPr lang="en-US" dirty="0"/>
+          </a:p>
+        </p:txBody>
+      </p:sp>
+      <p:sp>
+        <p:nvSpPr>
+          <p:cNvPr id="4" name="TextBox 3"/>
+          <p:cNvSpPr txBox="1"/>
+          <p:nvPr/>
+        </p:nvSpPr>
+        <p:spPr>
+          <a:xfrm>
+            <a:off x="1381760" y="2433040"/>
+            <a:ext cx="4968240" cy="830997"/>
+          </a:xfrm>
+          <a:prstGeom prst="rect">
+            <a:avLst/>
+          </a:prstGeom>
+          <a:noFill/>
+        </p:spPr>
+        <p:txBody>
+          <a:bodyPr wrap="square" rtlCol="0">
+            <a:spAutoFit/>
+          </a:bodyPr>
+          <a:lstStyle/>
+          <a:p>
+            <a:r>
+              <a:rPr lang="en-US" sz="1600" b="1" dirty="0" smtClean="0">
+                <a:solidFill>
+                  <a:srgbClr val="C00000"/>
+                </a:solidFill>
+              </a:rPr>
+              <a:t>value = </a:t>
+            </a:r>
+            <a:r>
+              <a:rPr lang="en-US" sz="1600" b="1" dirty="0" err="1" smtClean="0">
+                <a:solidFill>
+                  <a:srgbClr val="C00000"/>
+                </a:solidFill>
+              </a:rPr>
+              <a:t>int</a:t>
+            </a:r>
+            <a:r>
+              <a:rPr lang="en-US" sz="1600" b="1" dirty="0" smtClean="0">
+                <a:solidFill>
+                  <a:srgbClr val="C00000"/>
+                </a:solidFill>
+              </a:rPr>
+              <a:t>(input("Enter a number:"))</a:t>
+            </a:r>
+          </a:p>
+          <a:p>
+            <a:r>
+              <a:rPr lang="en-US" sz="1600" b="1" dirty="0" smtClean="0">
+                <a:solidFill>
+                  <a:srgbClr val="C00000"/>
+                </a:solidFill>
+              </a:rPr>
+              <a:t>value2 = value ** 2</a:t>
+            </a:r>
+          </a:p>
+          <a:p>
+            <a:r>
+              <a:rPr lang="en-US" sz="1600" b="1" dirty="0" smtClean="0">
+                <a:solidFill>
+                  <a:srgbClr val="C00000"/>
+                </a:solidFill>
+              </a:rPr>
+              <a:t>print("The square of %d is %d"  % (value,value2)) </a:t>
+            </a:r>
+            <a:endParaRPr lang="en-US" sz="1600" b="1" dirty="0">
+              <a:solidFill>
+                <a:srgbClr val="C00000"/>
+              </a:solidFill>
+            </a:endParaRPr>
+          </a:p>
+        </p:txBody>
+      </p:sp>
+    </p:spTree>
+    <p:extLst>
+      <p:ext uri="{BB962C8B-B14F-4D97-AF65-F5344CB8AC3E}">
+        <p14:creationId xmlns:p14="http://schemas.microsoft.com/office/powerpoint/2010/main" val="253245562"/>
+      </p:ext>
+    </p:extLst>
+  </p:cSld>
+  <p:clrMapOvr>
+    <a:masterClrMapping/>
+  </p:clrMapOvr>
+</p:sld>
+</file>
+
+<file path=ppt/slides/slide14.xml><?xml version="1.0" encoding="utf-8"?>
+<p:sld xmlns:a="http://schemas.openxmlformats.org/drawingml/2006/main" xmlns:r="http://schemas.openxmlformats.org/officeDocument/2006/relationships" xmlns:p="http://schemas.openxmlformats.org/presentationml/2006/main">
+  <p:cSld>
+    <p:spTree>
+      <p:nvGrpSpPr>
+        <p:cNvPr id="1" name=""/>
+        <p:cNvGrpSpPr/>
+        <p:nvPr/>
+      </p:nvGrpSpPr>
+      <p:grpSpPr>
+        <a:xfrm>
+          <a:off x="0" y="0"/>
+          <a:ext cx="0" cy="0"/>
+          <a:chOff x="0" y="0"/>
+          <a:chExt cx="0" cy="0"/>
+        </a:xfrm>
+      </p:grpSpPr>
+      <p:sp>
+        <p:nvSpPr>
+          <p:cNvPr id="2" name="Title 1"/>
+          <p:cNvSpPr>
+            <a:spLocks noGrp="1"/>
+          </p:cNvSpPr>
+          <p:nvPr>
+            <p:ph type="title"/>
+          </p:nvPr>
+        </p:nvSpPr>
+        <p:spPr/>
+        <p:txBody>
+          <a:bodyPr/>
+          <a:lstStyle/>
+          <a:p>
+            <a:r>
+              <a:rPr lang="en-CA" dirty="0" smtClean="0"/>
+              <a:t>Student Question #7</a:t>
+            </a:r>
+            <a:endParaRPr lang="en-US" dirty="0"/>
+          </a:p>
+        </p:txBody>
+      </p:sp>
+      <p:sp>
+        <p:nvSpPr>
+          <p:cNvPr id="3" name="Content Placeholder 2"/>
+          <p:cNvSpPr>
+            <a:spLocks noGrp="1"/>
+          </p:cNvSpPr>
+          <p:nvPr>
+            <p:ph idx="1"/>
+          </p:nvPr>
+        </p:nvSpPr>
+        <p:spPr/>
+        <p:txBody>
+          <a:bodyPr/>
+          <a:lstStyle/>
+          <a:p>
+            <a:r>
+              <a:rPr lang="en-CA" dirty="0" smtClean="0"/>
+              <a:t>Modify this template:</a:t>
+            </a:r>
+            <a:endParaRPr lang="en-US" dirty="0"/>
+          </a:p>
+        </p:txBody>
+      </p:sp>
+      <p:pic>
+        <p:nvPicPr>
+          <p:cNvPr id="4" name="Picture 3"/>
+          <p:cNvPicPr>
+            <a:picLocks noChangeAspect="1"/>
+          </p:cNvPicPr>
+          <p:nvPr/>
+        </p:nvPicPr>
+        <p:blipFill>
+          <a:blip r:embed="rId2"/>
+          <a:stretch>
+            <a:fillRect/>
+          </a:stretch>
+        </p:blipFill>
+        <p:spPr>
+          <a:xfrm>
+            <a:off x="1506537" y="2543969"/>
+            <a:ext cx="5898426" cy="2393791"/>
+          </a:xfrm>
+          <a:prstGeom prst="rect">
+            <a:avLst/>
+          </a:prstGeom>
+        </p:spPr>
+      </p:pic>
+    </p:spTree>
+    <p:extLst>
+      <p:ext uri="{BB962C8B-B14F-4D97-AF65-F5344CB8AC3E}">
+        <p14:creationId xmlns:p14="http://schemas.microsoft.com/office/powerpoint/2010/main" val="2590738394"/>
+      </p:ext>
+    </p:extLst>
+  </p:cSld>
+  <p:clrMapOvr>
+    <a:masterClrMapping/>
+  </p:clrMapOvr>
+</p:sld>
+</file>
+
+<file path=ppt/slides/slide15.xml><?xml version="1.0" encoding="utf-8"?>
+<p:sld xmlns:a="http://schemas.openxmlformats.org/drawingml/2006/main" xmlns:r="http://schemas.openxmlformats.org/officeDocument/2006/relationships" xmlns:p="http://schemas.openxmlformats.org/presentationml/2006/main">
+  <p:cSld>
+    <p:spTree>
+      <p:nvGrpSpPr>
+        <p:cNvPr id="1" name=""/>
+        <p:cNvGrpSpPr/>
+        <p:nvPr/>
+      </p:nvGrpSpPr>
+      <p:grpSpPr>
+        <a:xfrm>
+          <a:off x="0" y="0"/>
+          <a:ext cx="0" cy="0"/>
+          <a:chOff x="0" y="0"/>
+          <a:chExt cx="0" cy="0"/>
+        </a:xfrm>
+      </p:grpSpPr>
+      <p:sp>
+        <p:nvSpPr>
+          <p:cNvPr id="2" name="Title 1"/>
+          <p:cNvSpPr>
+            <a:spLocks noGrp="1"/>
+          </p:cNvSpPr>
+          <p:nvPr>
+            <p:ph type="title"/>
+          </p:nvPr>
+        </p:nvSpPr>
+        <p:spPr/>
+        <p:txBody>
+          <a:bodyPr/>
+          <a:lstStyle/>
+          <a:p>
+            <a:r>
+              <a:rPr lang="en-CA" dirty="0" smtClean="0"/>
+              <a:t>Example 5</a:t>
             </a:r>
             <a:endParaRPr lang="en-US" dirty="0"/>
           </a:p>
@@ -3529,7 +3799,7 @@
 </p:sld>
 </file>
 
-<file path=ppt/slides/slide14.xml><?xml version="1.0" encoding="utf-8"?>
+<file path=ppt/slides/slide16.xml><?xml version="1.0" encoding="utf-8"?>
 <p:sld xmlns:a="http://schemas.openxmlformats.org/drawingml/2006/main" xmlns:r="http://schemas.openxmlformats.org/officeDocument/2006/relationships" xmlns:p="http://schemas.openxmlformats.org/presentationml/2006/main">
   <p:cSld>
     <p:spTree>
@@ -3563,14 +3833,7 @@
           <a:p>
             <a:r>
               <a:rPr lang="en-CA" dirty="0" smtClean="0"/>
-              <a:t>Student </a:t>
-            </a:r>
-            <a:br>
-              <a:rPr lang="en-CA" dirty="0" smtClean="0"/>
-            </a:br>
-            <a:r>
-              <a:rPr lang="en-CA" dirty="0" smtClean="0"/>
-              <a:t>Question #6</a:t>
+              <a:t>Example 6</a:t>
             </a:r>
             <a:endParaRPr lang="en-US" dirty="0"/>
           </a:p>
